--- a/발표자료.pptx
+++ b/발표자료.pptx
@@ -112,6 +112,11 @@
       </a:defRPr>
     </a:lvl9pPr>
   </p:defaultTextStyle>
+  <p:extLst>
+    <p:ext uri="{EFAFB233-063F-42B5-8137-9DF3F51BA10A}">
+      <p15:sldGuideLst xmlns:p15="http://schemas.microsoft.com/office/powerpoint/2012/main"/>
+    </p:ext>
+  </p:extLst>
 </p:presentation>
 </file>
 
@@ -246,7 +251,7 @@
           <a:p>
             <a:fld id="{0E7C1529-36E7-4D68-B035-A1DBC19A64BF}" type="datetimeFigureOut">
               <a:rPr lang="ko-KR" altLang="en-US" smtClean="0"/>
-              <a:t>2025-01-23</a:t>
+              <a:t>2025-01-24</a:t>
             </a:fld>
             <a:endParaRPr lang="ko-KR" altLang="en-US"/>
           </a:p>
@@ -416,7 +421,7 @@
           <a:p>
             <a:fld id="{0E7C1529-36E7-4D68-B035-A1DBC19A64BF}" type="datetimeFigureOut">
               <a:rPr lang="ko-KR" altLang="en-US" smtClean="0"/>
-              <a:t>2025-01-23</a:t>
+              <a:t>2025-01-24</a:t>
             </a:fld>
             <a:endParaRPr lang="ko-KR" altLang="en-US"/>
           </a:p>
@@ -596,7 +601,7 @@
           <a:p>
             <a:fld id="{0E7C1529-36E7-4D68-B035-A1DBC19A64BF}" type="datetimeFigureOut">
               <a:rPr lang="ko-KR" altLang="en-US" smtClean="0"/>
-              <a:t>2025-01-23</a:t>
+              <a:t>2025-01-24</a:t>
             </a:fld>
             <a:endParaRPr lang="ko-KR" altLang="en-US"/>
           </a:p>
@@ -766,7 +771,7 @@
           <a:p>
             <a:fld id="{0E7C1529-36E7-4D68-B035-A1DBC19A64BF}" type="datetimeFigureOut">
               <a:rPr lang="ko-KR" altLang="en-US" smtClean="0"/>
-              <a:t>2025-01-23</a:t>
+              <a:t>2025-01-24</a:t>
             </a:fld>
             <a:endParaRPr lang="ko-KR" altLang="en-US"/>
           </a:p>
@@ -1012,7 +1017,7 @@
           <a:p>
             <a:fld id="{0E7C1529-36E7-4D68-B035-A1DBC19A64BF}" type="datetimeFigureOut">
               <a:rPr lang="ko-KR" altLang="en-US" smtClean="0"/>
-              <a:t>2025-01-23</a:t>
+              <a:t>2025-01-24</a:t>
             </a:fld>
             <a:endParaRPr lang="ko-KR" altLang="en-US"/>
           </a:p>
@@ -1244,7 +1249,7 @@
           <a:p>
             <a:fld id="{0E7C1529-36E7-4D68-B035-A1DBC19A64BF}" type="datetimeFigureOut">
               <a:rPr lang="ko-KR" altLang="en-US" smtClean="0"/>
-              <a:t>2025-01-23</a:t>
+              <a:t>2025-01-24</a:t>
             </a:fld>
             <a:endParaRPr lang="ko-KR" altLang="en-US"/>
           </a:p>
@@ -1611,7 +1616,7 @@
           <a:p>
             <a:fld id="{0E7C1529-36E7-4D68-B035-A1DBC19A64BF}" type="datetimeFigureOut">
               <a:rPr lang="ko-KR" altLang="en-US" smtClean="0"/>
-              <a:t>2025-01-23</a:t>
+              <a:t>2025-01-24</a:t>
             </a:fld>
             <a:endParaRPr lang="ko-KR" altLang="en-US"/>
           </a:p>
@@ -1729,7 +1734,7 @@
           <a:p>
             <a:fld id="{0E7C1529-36E7-4D68-B035-A1DBC19A64BF}" type="datetimeFigureOut">
               <a:rPr lang="ko-KR" altLang="en-US" smtClean="0"/>
-              <a:t>2025-01-23</a:t>
+              <a:t>2025-01-24</a:t>
             </a:fld>
             <a:endParaRPr lang="ko-KR" altLang="en-US"/>
           </a:p>
@@ -1824,7 +1829,7 @@
           <a:p>
             <a:fld id="{0E7C1529-36E7-4D68-B035-A1DBC19A64BF}" type="datetimeFigureOut">
               <a:rPr lang="ko-KR" altLang="en-US" smtClean="0"/>
-              <a:t>2025-01-23</a:t>
+              <a:t>2025-01-24</a:t>
             </a:fld>
             <a:endParaRPr lang="ko-KR" altLang="en-US"/>
           </a:p>
@@ -2101,7 +2106,7 @@
           <a:p>
             <a:fld id="{0E7C1529-36E7-4D68-B035-A1DBC19A64BF}" type="datetimeFigureOut">
               <a:rPr lang="ko-KR" altLang="en-US" smtClean="0"/>
-              <a:t>2025-01-23</a:t>
+              <a:t>2025-01-24</a:t>
             </a:fld>
             <a:endParaRPr lang="ko-KR" altLang="en-US"/>
           </a:p>
@@ -2354,7 +2359,7 @@
           <a:p>
             <a:fld id="{0E7C1529-36E7-4D68-B035-A1DBC19A64BF}" type="datetimeFigureOut">
               <a:rPr lang="ko-KR" altLang="en-US" smtClean="0"/>
-              <a:t>2025-01-23</a:t>
+              <a:t>2025-01-24</a:t>
             </a:fld>
             <a:endParaRPr lang="ko-KR" altLang="en-US"/>
           </a:p>
@@ -2567,7 +2572,7 @@
           <a:p>
             <a:fld id="{0E7C1529-36E7-4D68-B035-A1DBC19A64BF}" type="datetimeFigureOut">
               <a:rPr lang="ko-KR" altLang="en-US" smtClean="0"/>
-              <a:t>2025-01-23</a:t>
+              <a:t>2025-01-24</a:t>
             </a:fld>
             <a:endParaRPr lang="ko-KR" altLang="en-US"/>
           </a:p>
@@ -3125,7 +3130,7 @@
         <p:spPr>
           <a:xfrm>
             <a:off x="700548" y="2571598"/>
-            <a:ext cx="2986550" cy="1793925"/>
+            <a:ext cx="2986550" cy="2075217"/>
           </a:xfrm>
           <a:custGeom>
             <a:avLst/>
@@ -3210,7 +3215,7 @@
               <a:buAutoNum type="romanUcPeriod"/>
             </a:pPr>
             <a:r>
-              <a:rPr lang="ko-KR" altLang="en-US" sz="2000" spc="-80" smtClean="0">
+              <a:rPr lang="ko-KR" altLang="en-US" sz="2000" spc="-80" dirty="0" smtClean="0">
                 <a:solidFill>
                   <a:srgbClr val="000000"/>
                 </a:solidFill>
@@ -3221,7 +3226,7 @@
               </a:rPr>
               <a:t>데이터 수집</a:t>
             </a:r>
-            <a:endParaRPr lang="en-US" altLang="ko-KR" sz="2000" spc="-80">
+            <a:endParaRPr lang="en-US" altLang="ko-KR" sz="2000" spc="-80" dirty="0">
               <a:solidFill>
                 <a:srgbClr val="000000"/>
               </a:solidFill>
@@ -3240,7 +3245,7 @@
               <a:buAutoNum type="romanUcPeriod"/>
             </a:pPr>
             <a:r>
-              <a:rPr lang="ko-KR" altLang="en-US" sz="2000" spc="-80" smtClean="0">
+              <a:rPr lang="ko-KR" altLang="en-US" sz="2000" spc="-80" dirty="0" smtClean="0">
                 <a:solidFill>
                   <a:srgbClr val="000000"/>
                 </a:solidFill>
@@ -3251,7 +3256,7 @@
               </a:rPr>
               <a:t>모델링</a:t>
             </a:r>
-            <a:endParaRPr lang="en-US" altLang="ko-KR" sz="2000" spc="-80">
+            <a:endParaRPr lang="en-US" altLang="ko-KR" sz="2000" spc="-80" dirty="0">
               <a:solidFill>
                 <a:srgbClr val="000000"/>
               </a:solidFill>
@@ -3270,7 +3275,7 @@
               <a:buAutoNum type="romanUcPeriod"/>
             </a:pPr>
             <a:r>
-              <a:rPr lang="ko-KR" altLang="en-US" sz="2000" spc="-80" smtClean="0">
+              <a:rPr lang="ko-KR" altLang="en-US" sz="2000" spc="-80" dirty="0" smtClean="0">
                 <a:solidFill>
                   <a:srgbClr val="000000"/>
                 </a:solidFill>
@@ -3281,7 +3286,7 @@
               </a:rPr>
               <a:t>모델 테스트 및 평가</a:t>
             </a:r>
-            <a:endParaRPr lang="en-US" altLang="ko-KR" sz="2000" spc="-80">
+            <a:endParaRPr lang="en-US" altLang="ko-KR" sz="2000" spc="-80" dirty="0">
               <a:solidFill>
                 <a:srgbClr val="000000"/>
               </a:solidFill>
@@ -3602,7 +3607,7 @@
               <a:buAutoNum type="romanUcPeriod"/>
             </a:pPr>
             <a:r>
-              <a:rPr lang="ko-KR" altLang="en-US" sz="2000" spc="-80" smtClean="0">
+              <a:rPr lang="ko-KR" altLang="en-US" sz="2000" spc="-80" dirty="0" smtClean="0">
                 <a:solidFill>
                   <a:srgbClr val="000000"/>
                 </a:solidFill>
@@ -3613,7 +3618,7 @@
               </a:rPr>
               <a:t>데이터 수집</a:t>
             </a:r>
-            <a:endParaRPr lang="en-US" altLang="ko-KR" sz="2000" spc="-80">
+            <a:endParaRPr lang="en-US" altLang="ko-KR" sz="2000" spc="-80" dirty="0">
               <a:solidFill>
                 <a:srgbClr val="000000"/>
               </a:solidFill>
@@ -3632,7 +3637,7 @@
               <a:buAutoNum type="romanUcPeriod"/>
             </a:pPr>
             <a:r>
-              <a:rPr lang="ko-KR" altLang="en-US" sz="2000" spc="-80" smtClean="0">
+              <a:rPr lang="ko-KR" altLang="en-US" sz="2000" spc="-80" dirty="0" smtClean="0">
                 <a:solidFill>
                   <a:srgbClr val="000000"/>
                 </a:solidFill>
@@ -3643,7 +3648,7 @@
               </a:rPr>
               <a:t>모델링</a:t>
             </a:r>
-            <a:endParaRPr lang="en-US" altLang="ko-KR" sz="2000" spc="-80">
+            <a:endParaRPr lang="en-US" altLang="ko-KR" sz="2000" spc="-80" dirty="0">
               <a:solidFill>
                 <a:srgbClr val="000000"/>
               </a:solidFill>
@@ -3662,7 +3667,7 @@
               <a:buAutoNum type="romanUcPeriod"/>
             </a:pPr>
             <a:r>
-              <a:rPr lang="ko-KR" altLang="en-US" sz="2000" spc="-80" smtClean="0">
+              <a:rPr lang="ko-KR" altLang="en-US" sz="2000" spc="-80" dirty="0" smtClean="0">
                 <a:solidFill>
                   <a:srgbClr val="000000"/>
                 </a:solidFill>
@@ -3673,7 +3678,7 @@
               </a:rPr>
               <a:t>모델 테스트 및 평가</a:t>
             </a:r>
-            <a:endParaRPr lang="en-US" altLang="ko-KR" sz="2000" spc="-80">
+            <a:endParaRPr lang="en-US" altLang="ko-KR" sz="2000" spc="-80" dirty="0">
               <a:solidFill>
                 <a:srgbClr val="000000"/>
               </a:solidFill>
@@ -5499,31 +5504,7 @@
                 <a:cs typeface="윤고딕"/>
                 <a:sym typeface="윤고딕"/>
               </a:rPr>
-              <a:t>파일에서 </a:t>
-            </a:r>
-            <a:r>
-              <a:rPr lang="ko-KR" altLang="en-US" spc="-80" smtClean="0">
-                <a:solidFill>
-                  <a:srgbClr val="021828"/>
-                </a:solidFill>
-                <a:latin typeface="나눔고딕" panose="020D0604000000000000" pitchFamily="50" charset="-127"/>
-                <a:ea typeface="나눔고딕" panose="020D0604000000000000" pitchFamily="50" charset="-127"/>
-                <a:cs typeface="윤고딕"/>
-                <a:sym typeface="윤고딕"/>
-              </a:rPr>
-              <a:t>운동 자세 데이터</a:t>
-            </a:r>
-            <a:r>
-              <a:rPr lang="ko-KR" altLang="en-US" spc="-80" smtClean="0">
-                <a:solidFill>
-                  <a:srgbClr val="021828"/>
-                </a:solidFill>
-                <a:latin typeface="나눔고딕" panose="020D0604000000000000" pitchFamily="50" charset="-127"/>
-                <a:ea typeface="나눔고딕" panose="020D0604000000000000" pitchFamily="50" charset="-127"/>
-                <a:cs typeface="윤고딕"/>
-                <a:sym typeface="윤고딕"/>
-              </a:rPr>
-              <a:t> 로드</a:t>
+              <a:t>파일에서 운동 자세 데이터 로드</a:t>
             </a:r>
             <a:endParaRPr lang="en-US" altLang="ko-KR" spc="-80" smtClean="0">
               <a:solidFill>
@@ -6117,19 +6098,7 @@
                 <a:cs typeface="윤고딕"/>
                 <a:sym typeface="윤고딕"/>
               </a:rPr>
-              <a:t>(num_layers=3)</a:t>
-            </a:r>
-            <a:r>
-              <a:rPr lang="en-US" altLang="ko-KR" spc="-80" smtClean="0">
-                <a:solidFill>
-                  <a:srgbClr val="C00000"/>
-                </a:solidFill>
-                <a:latin typeface="나눔고딕" panose="020D0604000000000000" pitchFamily="50" charset="-127"/>
-                <a:ea typeface="나눔고딕" panose="020D0604000000000000" pitchFamily="50" charset="-127"/>
-                <a:cs typeface="윤고딕"/>
-                <a:sym typeface="윤고딕"/>
-              </a:rPr>
-              <a:t> </a:t>
+              <a:t>(num_layers=3) </a:t>
             </a:r>
           </a:p>
           <a:p>
@@ -6225,19 +6194,7 @@
                 <a:cs typeface="윤고딕"/>
                 <a:sym typeface="윤고딕"/>
               </a:rPr>
-              <a:t>형태로 변환하여 처리</a:t>
-            </a:r>
-            <a:r>
-              <a:rPr lang="ko-KR" altLang="en-US" spc="-80" smtClean="0">
-                <a:solidFill>
-                  <a:srgbClr val="021828"/>
-                </a:solidFill>
-                <a:latin typeface="나눔고딕" panose="020D0604000000000000" pitchFamily="50" charset="-127"/>
-                <a:ea typeface="나눔고딕" panose="020D0604000000000000" pitchFamily="50" charset="-127"/>
-                <a:cs typeface="윤고딕"/>
-                <a:sym typeface="윤고딕"/>
-              </a:rPr>
-              <a:t> </a:t>
+              <a:t>형태로 변환하여 처리 </a:t>
             </a:r>
             <a:endParaRPr lang="en-US" altLang="ko-KR" spc="-80">
               <a:solidFill>
@@ -6352,7 +6309,7 @@
         <p:spPr>
           <a:xfrm>
             <a:off x="871601" y="1457568"/>
-            <a:ext cx="9841555" cy="3046988"/>
+            <a:ext cx="9841555" cy="3462486"/>
           </a:xfrm>
           <a:prstGeom prst="rect">
             <a:avLst/>
@@ -6370,7 +6327,7 @@
               </a:lnSpc>
             </a:pPr>
             <a:r>
-              <a:rPr lang="ko-KR" altLang="en-US" sz="2000" b="1" spc="-80" smtClean="0">
+              <a:rPr lang="ko-KR" altLang="en-US" sz="2000" b="1" spc="-80" dirty="0" smtClean="0">
                 <a:solidFill>
                   <a:srgbClr val="021828"/>
                 </a:solidFill>
@@ -6381,7 +6338,7 @@
               </a:rPr>
               <a:t>훈련 및 최적화</a:t>
             </a:r>
-            <a:endParaRPr lang="en-US" altLang="ko-KR" sz="2000" b="1" spc="-80" smtClean="0">
+            <a:endParaRPr lang="en-US" altLang="ko-KR" sz="2000" b="1" spc="-80" dirty="0" smtClean="0">
               <a:solidFill>
                 <a:srgbClr val="021828"/>
               </a:solidFill>
@@ -6397,7 +6354,7 @@
                 <a:spcPct val="150000"/>
               </a:lnSpc>
             </a:pPr>
-            <a:endParaRPr lang="en-US" altLang="ko-KR" sz="200" b="1" spc="-80" smtClean="0">
+            <a:endParaRPr lang="en-US" altLang="ko-KR" sz="200" b="1" spc="-80" dirty="0" smtClean="0">
               <a:solidFill>
                 <a:srgbClr val="021828"/>
               </a:solidFill>
@@ -6413,7 +6370,7 @@
                 <a:spcPct val="150000"/>
               </a:lnSpc>
             </a:pPr>
-            <a:endParaRPr lang="en-US" altLang="ko-KR" sz="200" b="1" spc="-80" smtClean="0">
+            <a:endParaRPr lang="en-US" altLang="ko-KR" sz="200" b="1" spc="-80" dirty="0" smtClean="0">
               <a:solidFill>
                 <a:srgbClr val="021828"/>
               </a:solidFill>
@@ -6432,7 +6389,7 @@
               <a:buChar char="•"/>
             </a:pPr>
             <a:r>
-              <a:rPr lang="ko-KR" altLang="en-US" spc="-80" smtClean="0">
+              <a:rPr lang="ko-KR" altLang="en-US" spc="-80" dirty="0" smtClean="0">
                 <a:solidFill>
                   <a:srgbClr val="021828"/>
                 </a:solidFill>
@@ -6444,7 +6401,7 @@
               <a:t>손실 함수</a:t>
             </a:r>
             <a:r>
-              <a:rPr lang="en-US" altLang="ko-KR" spc="-80" smtClean="0">
+              <a:rPr lang="en-US" altLang="ko-KR" spc="-80" dirty="0" smtClean="0">
                 <a:solidFill>
                   <a:srgbClr val="021828"/>
                 </a:solidFill>
@@ -6456,19 +6413,43 @@
               <a:t>: </a:t>
             </a:r>
             <a:r>
-              <a:rPr lang="ko-KR" altLang="en-US" spc="-80" smtClean="0">
-                <a:solidFill>
-                  <a:srgbClr val="021828"/>
-                </a:solidFill>
-                <a:latin typeface="나눔고딕" panose="020D0604000000000000" pitchFamily="50" charset="-127"/>
-                <a:ea typeface="나눔고딕" panose="020D0604000000000000" pitchFamily="50" charset="-127"/>
-                <a:cs typeface="윤고딕"/>
-                <a:sym typeface="윤고딕"/>
-              </a:rPr>
-              <a:t>훈련 데이터에 클래스별로 같은 개수의 샘플이 포함되어 있어서 클래스 불균형이 없기 때문에 </a:t>
-            </a:r>
-            <a:r>
-              <a:rPr lang="ko-KR" altLang="en-US" spc="-80" smtClean="0">
+              <a:rPr lang="ko-KR" altLang="en-US" spc="-80" dirty="0" smtClean="0">
+                <a:solidFill>
+                  <a:srgbClr val="021828"/>
+                </a:solidFill>
+                <a:latin typeface="나눔고딕" panose="020D0604000000000000" pitchFamily="50" charset="-127"/>
+                <a:ea typeface="나눔고딕" panose="020D0604000000000000" pitchFamily="50" charset="-127"/>
+                <a:cs typeface="윤고딕"/>
+                <a:sym typeface="윤고딕"/>
+              </a:rPr>
+              <a:t>훈련 데이터에 </a:t>
+            </a:r>
+            <a:r>
+              <a:rPr lang="ko-KR" altLang="en-US" spc="-80" dirty="0" err="1" smtClean="0">
+                <a:solidFill>
+                  <a:srgbClr val="021828"/>
+                </a:solidFill>
+                <a:latin typeface="나눔고딕" panose="020D0604000000000000" pitchFamily="50" charset="-127"/>
+                <a:ea typeface="나눔고딕" panose="020D0604000000000000" pitchFamily="50" charset="-127"/>
+                <a:cs typeface="윤고딕"/>
+                <a:sym typeface="윤고딕"/>
+              </a:rPr>
+              <a:t>클래스별로</a:t>
+            </a:r>
+            <a:r>
+              <a:rPr lang="ko-KR" altLang="en-US" spc="-80" dirty="0" smtClean="0">
+                <a:solidFill>
+                  <a:srgbClr val="021828"/>
+                </a:solidFill>
+                <a:latin typeface="나눔고딕" panose="020D0604000000000000" pitchFamily="50" charset="-127"/>
+                <a:ea typeface="나눔고딕" panose="020D0604000000000000" pitchFamily="50" charset="-127"/>
+                <a:cs typeface="윤고딕"/>
+                <a:sym typeface="윤고딕"/>
+              </a:rPr>
+              <a:t> 같은 개수의 샘플이 포함되어 있어서 클래스 불균형이 없기 때문에 </a:t>
+            </a:r>
+            <a:r>
+              <a:rPr lang="ko-KR" altLang="en-US" spc="-80" dirty="0" smtClean="0">
                 <a:solidFill>
                   <a:srgbClr val="C00000"/>
                 </a:solidFill>
@@ -6480,7 +6461,7 @@
               <a:t>가중치가 균일하게 설정</a:t>
             </a:r>
             <a:r>
-              <a:rPr lang="ko-KR" altLang="en-US" spc="-80" smtClean="0">
+              <a:rPr lang="ko-KR" altLang="en-US" spc="-80" dirty="0" smtClean="0">
                 <a:solidFill>
                   <a:srgbClr val="021828"/>
                 </a:solidFill>
@@ -6492,7 +6473,7 @@
               <a:t> </a:t>
             </a:r>
             <a:r>
-              <a:rPr lang="en-US" altLang="ko-KR" spc="-80" smtClean="0">
+              <a:rPr lang="en-US" altLang="ko-KR" spc="-80" dirty="0" err="1" smtClean="0">
                 <a:solidFill>
                   <a:srgbClr val="C00000"/>
                 </a:solidFill>
@@ -6501,9 +6482,21 @@
                 <a:cs typeface="윤고딕"/>
                 <a:sym typeface="윤고딕"/>
               </a:rPr>
-              <a:t>class_weights = [1.0, 1.0, 1.0]</a:t>
-            </a:r>
-            <a:endParaRPr lang="en-US" altLang="ko-KR" sz="1050" spc="-80" smtClean="0">
+              <a:t>class_weights</a:t>
+            </a:r>
+            <a:r>
+              <a:rPr lang="en-US" altLang="ko-KR" spc="-80" dirty="0" smtClean="0">
+                <a:solidFill>
+                  <a:srgbClr val="C00000"/>
+                </a:solidFill>
+                <a:latin typeface="나눔고딕" panose="020D0604000000000000" pitchFamily="50" charset="-127"/>
+                <a:ea typeface="나눔고딕" panose="020D0604000000000000" pitchFamily="50" charset="-127"/>
+                <a:cs typeface="윤고딕"/>
+                <a:sym typeface="윤고딕"/>
+              </a:rPr>
+              <a:t> = [1.0, 1.0, 1.0]</a:t>
+            </a:r>
+            <a:endParaRPr lang="en-US" altLang="ko-KR" sz="1050" spc="-80" dirty="0" smtClean="0">
               <a:solidFill>
                 <a:srgbClr val="C00000"/>
               </a:solidFill>
@@ -6522,19 +6515,7 @@
               <a:buChar char="•"/>
             </a:pPr>
             <a:r>
-              <a:rPr lang="en-US" altLang="ko-KR" spc="-80" smtClean="0">
-                <a:solidFill>
-                  <a:srgbClr val="021828"/>
-                </a:solidFill>
-                <a:latin typeface="나눔고딕" panose="020D0604000000000000" pitchFamily="50" charset="-127"/>
-                <a:ea typeface="나눔고딕" panose="020D0604000000000000" pitchFamily="50" charset="-127"/>
-                <a:cs typeface="윤고딕"/>
-                <a:sym typeface="윤고딕"/>
-              </a:rPr>
-              <a:t> </a:t>
-            </a:r>
-            <a:r>
-              <a:rPr lang="ko-KR" altLang="en-US" spc="-80" smtClean="0">
+              <a:rPr lang="ko-KR" altLang="en-US" spc="-80" dirty="0" err="1" smtClean="0">
                 <a:solidFill>
                   <a:srgbClr val="021828"/>
                 </a:solidFill>
@@ -6546,7 +6527,7 @@
               <a:t>옵티마이저</a:t>
             </a:r>
             <a:r>
-              <a:rPr lang="en-US" altLang="ko-KR" spc="-80" smtClean="0">
+              <a:rPr lang="en-US" altLang="ko-KR" spc="-80" dirty="0" smtClean="0">
                 <a:solidFill>
                   <a:srgbClr val="021828"/>
                 </a:solidFill>
@@ -6558,7 +6539,7 @@
               <a:t>: </a:t>
             </a:r>
             <a:r>
-              <a:rPr lang="ko-KR" altLang="en-US" spc="-80" smtClean="0">
+              <a:rPr lang="ko-KR" altLang="en-US" spc="-80" dirty="0" err="1" smtClean="0">
                 <a:solidFill>
                   <a:srgbClr val="C00000"/>
                 </a:solidFill>
@@ -6570,7 +6551,7 @@
               <a:t>학습율</a:t>
             </a:r>
             <a:r>
-              <a:rPr lang="en-US" altLang="ko-KR" spc="-80" smtClean="0">
+              <a:rPr lang="en-US" altLang="ko-KR" spc="-80" dirty="0" smtClean="0">
                 <a:solidFill>
                   <a:srgbClr val="C00000"/>
                 </a:solidFill>
@@ -6579,10 +6560,10 @@
                 <a:cs typeface="윤고딕"/>
                 <a:sym typeface="윤고딕"/>
               </a:rPr>
-              <a:t>(lr)</a:t>
-            </a:r>
-            <a:r>
-              <a:rPr lang="ko-KR" altLang="en-US" spc="-80" smtClean="0">
+              <a:t>(</a:t>
+            </a:r>
+            <a:r>
+              <a:rPr lang="en-US" altLang="ko-KR" spc="-80" dirty="0" err="1" smtClean="0">
                 <a:solidFill>
                   <a:srgbClr val="C00000"/>
                 </a:solidFill>
@@ -6591,10 +6572,34 @@
                 <a:cs typeface="윤고딕"/>
                 <a:sym typeface="윤고딕"/>
               </a:rPr>
+              <a:t>lr</a:t>
+            </a:r>
+            <a:r>
+              <a:rPr lang="en-US" altLang="ko-KR" spc="-80" dirty="0" smtClean="0">
+                <a:solidFill>
+                  <a:srgbClr val="C00000"/>
+                </a:solidFill>
+                <a:latin typeface="나눔고딕" panose="020D0604000000000000" pitchFamily="50" charset="-127"/>
+                <a:ea typeface="나눔고딕" panose="020D0604000000000000" pitchFamily="50" charset="-127"/>
+                <a:cs typeface="윤고딕"/>
+                <a:sym typeface="윤고딕"/>
+              </a:rPr>
+              <a:t>)</a:t>
+            </a:r>
+            <a:r>
+              <a:rPr lang="ko-KR" altLang="en-US" spc="-80" dirty="0" smtClean="0">
+                <a:solidFill>
+                  <a:srgbClr val="C00000"/>
+                </a:solidFill>
+                <a:latin typeface="나눔고딕" panose="020D0604000000000000" pitchFamily="50" charset="-127"/>
+                <a:ea typeface="나눔고딕" panose="020D0604000000000000" pitchFamily="50" charset="-127"/>
+                <a:cs typeface="윤고딕"/>
+                <a:sym typeface="윤고딕"/>
+              </a:rPr>
               <a:t>은 </a:t>
             </a:r>
             <a:r>
-              <a:rPr lang="en-US" altLang="ko-KR" spc="-80" smtClean="0">
+              <a:rPr lang="en-US" altLang="ko-KR" spc="-80" dirty="0" smtClean="0">
                 <a:solidFill>
                   <a:srgbClr val="C00000"/>
                 </a:solidFill>
@@ -6606,7 +6611,7 @@
               <a:t>0.001</a:t>
             </a:r>
             <a:r>
-              <a:rPr lang="ko-KR" altLang="en-US" spc="-80" smtClean="0">
+              <a:rPr lang="ko-KR" altLang="en-US" spc="-80" dirty="0" smtClean="0">
                 <a:solidFill>
                   <a:srgbClr val="021828"/>
                 </a:solidFill>
@@ -6618,7 +6623,7 @@
               <a:t>로 설정하였고</a:t>
             </a:r>
             <a:r>
-              <a:rPr lang="en-US" altLang="ko-KR" spc="-80" smtClean="0">
+              <a:rPr lang="en-US" altLang="ko-KR" spc="-80" dirty="0" smtClean="0">
                 <a:solidFill>
                   <a:srgbClr val="021828"/>
                 </a:solidFill>
@@ -6630,18 +6635,42 @@
               <a:t>, </a:t>
             </a:r>
             <a:r>
-              <a:rPr lang="ko-KR" altLang="en-US" spc="-80" smtClean="0">
-                <a:solidFill>
-                  <a:srgbClr val="021828"/>
-                </a:solidFill>
-                <a:latin typeface="나눔고딕" panose="020D0604000000000000" pitchFamily="50" charset="-127"/>
-                <a:ea typeface="나눔고딕" panose="020D0604000000000000" pitchFamily="50" charset="-127"/>
-                <a:cs typeface="윤고딕"/>
-                <a:sym typeface="윤고딕"/>
-              </a:rPr>
-              <a:t>초기 가중치 업데이터 단계에서 적용</a:t>
-            </a:r>
-            <a:endParaRPr lang="en-US" altLang="ko-KR" sz="1000" spc="-80" smtClean="0">
+              <a:rPr lang="ko-KR" altLang="en-US" spc="-80" dirty="0" smtClean="0">
+                <a:solidFill>
+                  <a:srgbClr val="021828"/>
+                </a:solidFill>
+                <a:latin typeface="나눔고딕" panose="020D0604000000000000" pitchFamily="50" charset="-127"/>
+                <a:ea typeface="나눔고딕" panose="020D0604000000000000" pitchFamily="50" charset="-127"/>
+                <a:cs typeface="윤고딕"/>
+                <a:sym typeface="윤고딕"/>
+              </a:rPr>
+              <a:t>초기 가중치 </a:t>
+            </a:r>
+            <a:r>
+              <a:rPr lang="ko-KR" altLang="en-US" spc="-80" dirty="0" smtClean="0">
+                <a:solidFill>
+                  <a:srgbClr val="021828"/>
+                </a:solidFill>
+                <a:latin typeface="나눔고딕" panose="020D0604000000000000" pitchFamily="50" charset="-127"/>
+                <a:ea typeface="나눔고딕" panose="020D0604000000000000" pitchFamily="50" charset="-127"/>
+                <a:cs typeface="윤고딕"/>
+                <a:sym typeface="윤고딕"/>
+              </a:rPr>
+              <a:t>업데이트 </a:t>
+            </a:r>
+            <a:r>
+              <a:rPr lang="ko-KR" altLang="en-US" spc="-80" dirty="0" smtClean="0">
+                <a:solidFill>
+                  <a:srgbClr val="021828"/>
+                </a:solidFill>
+                <a:latin typeface="나눔고딕" panose="020D0604000000000000" pitchFamily="50" charset="-127"/>
+                <a:ea typeface="나눔고딕" panose="020D0604000000000000" pitchFamily="50" charset="-127"/>
+                <a:cs typeface="윤고딕"/>
+                <a:sym typeface="윤고딕"/>
+              </a:rPr>
+              <a:t>단계에서 적용</a:t>
+            </a:r>
+            <a:endParaRPr lang="en-US" altLang="ko-KR" sz="1000" spc="-80" dirty="0" smtClean="0">
               <a:solidFill>
                 <a:srgbClr val="021828"/>
               </a:solidFill>
@@ -6660,19 +6689,31 @@
               <a:buChar char="•"/>
             </a:pPr>
             <a:r>
-              <a:rPr lang="ko-KR" altLang="en-US" spc="-80" smtClean="0">
-                <a:solidFill>
-                  <a:srgbClr val="021828"/>
-                </a:solidFill>
-                <a:latin typeface="나눔고딕" panose="020D0604000000000000" pitchFamily="50" charset="-127"/>
-                <a:ea typeface="나눔고딕" panose="020D0604000000000000" pitchFamily="50" charset="-127"/>
-                <a:cs typeface="윤고딕"/>
-                <a:sym typeface="윤고딕"/>
-              </a:rPr>
-              <a:t>학습률 스케줄러</a:t>
-            </a:r>
-            <a:r>
-              <a:rPr lang="en-US" altLang="ko-KR" spc="-80" smtClean="0">
+              <a:rPr lang="ko-KR" altLang="en-US" spc="-80" dirty="0" err="1" smtClean="0">
+                <a:solidFill>
+                  <a:srgbClr val="021828"/>
+                </a:solidFill>
+                <a:latin typeface="나눔고딕" panose="020D0604000000000000" pitchFamily="50" charset="-127"/>
+                <a:ea typeface="나눔고딕" panose="020D0604000000000000" pitchFamily="50" charset="-127"/>
+                <a:cs typeface="윤고딕"/>
+                <a:sym typeface="윤고딕"/>
+              </a:rPr>
+              <a:t>학습률</a:t>
+            </a:r>
+            <a:r>
+              <a:rPr lang="ko-KR" altLang="en-US" spc="-80" dirty="0" smtClean="0">
+                <a:solidFill>
+                  <a:srgbClr val="021828"/>
+                </a:solidFill>
+                <a:latin typeface="나눔고딕" panose="020D0604000000000000" pitchFamily="50" charset="-127"/>
+                <a:ea typeface="나눔고딕" panose="020D0604000000000000" pitchFamily="50" charset="-127"/>
+                <a:cs typeface="윤고딕"/>
+                <a:sym typeface="윤고딕"/>
+              </a:rPr>
+              <a:t> 스케줄러</a:t>
+            </a:r>
+            <a:r>
+              <a:rPr lang="en-US" altLang="ko-KR" spc="-80" dirty="0" smtClean="0">
                 <a:solidFill>
                   <a:srgbClr val="021828"/>
                 </a:solidFill>
@@ -6684,7 +6725,7 @@
               <a:t>: </a:t>
             </a:r>
             <a:r>
-              <a:rPr lang="en-US" altLang="ko-KR" spc="-80" smtClean="0">
+              <a:rPr lang="en-US" altLang="ko-KR" spc="-80" dirty="0" err="1" smtClean="0">
                 <a:solidFill>
                   <a:srgbClr val="C00000"/>
                 </a:solidFill>
@@ -6693,10 +6734,22 @@
                 <a:cs typeface="윤고딕"/>
                 <a:sym typeface="윤고딕"/>
               </a:rPr>
-              <a:t>step_size=5</a:t>
-            </a:r>
-            <a:r>
-              <a:rPr lang="ko-KR" altLang="en-US" spc="-80" smtClean="0">
+              <a:t>step_size</a:t>
+            </a:r>
+            <a:r>
+              <a:rPr lang="en-US" altLang="ko-KR" spc="-80" dirty="0" smtClean="0">
+                <a:solidFill>
+                  <a:srgbClr val="C00000"/>
+                </a:solidFill>
+                <a:latin typeface="나눔고딕" panose="020D0604000000000000" pitchFamily="50" charset="-127"/>
+                <a:ea typeface="나눔고딕" panose="020D0604000000000000" pitchFamily="50" charset="-127"/>
+                <a:cs typeface="윤고딕"/>
+                <a:sym typeface="윤고딕"/>
+              </a:rPr>
+              <a:t>=5</a:t>
+            </a:r>
+            <a:r>
+              <a:rPr lang="ko-KR" altLang="en-US" spc="-80" dirty="0" smtClean="0">
                 <a:solidFill>
                   <a:srgbClr val="021828"/>
                 </a:solidFill>
@@ -6708,7 +6761,7 @@
               <a:t>로 설정하여 </a:t>
             </a:r>
             <a:r>
-              <a:rPr lang="ko-KR" altLang="en-US" spc="-80" smtClean="0">
+              <a:rPr lang="ko-KR" altLang="en-US" spc="-80" dirty="0" err="1" smtClean="0">
                 <a:solidFill>
                   <a:srgbClr val="C00000"/>
                 </a:solidFill>
@@ -6717,10 +6770,10 @@
                 <a:cs typeface="윤고딕"/>
                 <a:sym typeface="윤고딕"/>
               </a:rPr>
-              <a:t>학습률이 </a:t>
-            </a:r>
-            <a:r>
-              <a:rPr lang="en-US" altLang="ko-KR" spc="-80" smtClean="0">
+              <a:t>학습률이</a:t>
+            </a:r>
+            <a:r>
+              <a:rPr lang="ko-KR" altLang="en-US" spc="-80" dirty="0" smtClean="0">
                 <a:solidFill>
                   <a:srgbClr val="C00000"/>
                 </a:solidFill>
@@ -6729,10 +6782,22 @@
                 <a:cs typeface="윤고딕"/>
                 <a:sym typeface="윤고딕"/>
               </a:rPr>
+              <a:t> </a:t>
+            </a:r>
+            <a:r>
+              <a:rPr lang="en-US" altLang="ko-KR" spc="-80" dirty="0" smtClean="0">
+                <a:solidFill>
+                  <a:srgbClr val="C00000"/>
+                </a:solidFill>
+                <a:latin typeface="나눔고딕" panose="020D0604000000000000" pitchFamily="50" charset="-127"/>
+                <a:ea typeface="나눔고딕" panose="020D0604000000000000" pitchFamily="50" charset="-127"/>
+                <a:cs typeface="윤고딕"/>
+                <a:sym typeface="윤고딕"/>
+              </a:rPr>
               <a:t>5 </a:t>
             </a:r>
             <a:r>
-              <a:rPr lang="ko-KR" altLang="en-US" spc="-80" smtClean="0">
+              <a:rPr lang="ko-KR" altLang="en-US" spc="-80" dirty="0" err="1" smtClean="0">
                 <a:solidFill>
                   <a:srgbClr val="C00000"/>
                 </a:solidFill>
@@ -6741,9 +6806,33 @@
                 <a:cs typeface="윤고딕"/>
                 <a:sym typeface="윤고딕"/>
               </a:rPr>
-              <a:t>에포크마다 감소하게함</a:t>
-            </a:r>
-            <a:endParaRPr lang="en-US" altLang="ko-KR" sz="1000" spc="-80">
+              <a:t>에포크마다</a:t>
+            </a:r>
+            <a:r>
+              <a:rPr lang="ko-KR" altLang="en-US" spc="-80" dirty="0" smtClean="0">
+                <a:solidFill>
+                  <a:srgbClr val="C00000"/>
+                </a:solidFill>
+                <a:latin typeface="나눔고딕" panose="020D0604000000000000" pitchFamily="50" charset="-127"/>
+                <a:ea typeface="나눔고딕" panose="020D0604000000000000" pitchFamily="50" charset="-127"/>
+                <a:cs typeface="윤고딕"/>
+                <a:sym typeface="윤고딕"/>
+              </a:rPr>
+              <a:t> </a:t>
+            </a:r>
+            <a:r>
+              <a:rPr lang="ko-KR" altLang="en-US" spc="-80" dirty="0" err="1" smtClean="0">
+                <a:solidFill>
+                  <a:srgbClr val="C00000"/>
+                </a:solidFill>
+                <a:latin typeface="나눔고딕" panose="020D0604000000000000" pitchFamily="50" charset="-127"/>
+                <a:ea typeface="나눔고딕" panose="020D0604000000000000" pitchFamily="50" charset="-127"/>
+                <a:cs typeface="윤고딕"/>
+                <a:sym typeface="윤고딕"/>
+              </a:rPr>
+              <a:t>감소하게함</a:t>
+            </a:r>
+            <a:endParaRPr lang="en-US" altLang="ko-KR" sz="1000" spc="-80" dirty="0">
               <a:solidFill>
                 <a:srgbClr val="021828"/>
               </a:solidFill>
@@ -6762,7 +6851,7 @@
               <a:buChar char="•"/>
             </a:pPr>
             <a:r>
-              <a:rPr lang="ko-KR" altLang="en-US" spc="-80" smtClean="0">
+              <a:rPr lang="ko-KR" altLang="en-US" spc="-80" dirty="0" smtClean="0">
                 <a:solidFill>
                   <a:srgbClr val="021828"/>
                 </a:solidFill>
@@ -6774,7 +6863,7 @@
               <a:t>조기 종료</a:t>
             </a:r>
             <a:r>
-              <a:rPr lang="en-US" altLang="ko-KR" spc="-80" smtClean="0">
+              <a:rPr lang="en-US" altLang="ko-KR" spc="-80" dirty="0" smtClean="0">
                 <a:solidFill>
                   <a:srgbClr val="021828"/>
                 </a:solidFill>
@@ -6786,7 +6875,7 @@
               <a:t>(</a:t>
             </a:r>
             <a:r>
-              <a:rPr lang="en-US" altLang="ko-KR" spc="-80" smtClean="0">
+              <a:rPr lang="en-US" altLang="ko-KR" spc="-80" dirty="0" err="1" smtClean="0">
                 <a:solidFill>
                   <a:srgbClr val="C00000"/>
                 </a:solidFill>
@@ -6798,7 +6887,7 @@
               <a:t>EarlyStopping</a:t>
             </a:r>
             <a:r>
-              <a:rPr lang="en-US" altLang="ko-KR" spc="-80" smtClean="0">
+              <a:rPr lang="en-US" altLang="ko-KR" spc="-80" dirty="0" smtClean="0">
                 <a:solidFill>
                   <a:srgbClr val="021828"/>
                 </a:solidFill>
@@ -6810,7 +6899,7 @@
               <a:t>): </a:t>
             </a:r>
             <a:r>
-              <a:rPr lang="ko-KR" altLang="en-US" spc="-80" smtClean="0">
+              <a:rPr lang="ko-KR" altLang="en-US" spc="-80" dirty="0" smtClean="0">
                 <a:solidFill>
                   <a:srgbClr val="021828"/>
                 </a:solidFill>
@@ -6821,7 +6910,7 @@
               </a:rPr>
               <a:t>검증 손실이 개선되지 않으면 학습 중단</a:t>
             </a:r>
-            <a:endParaRPr lang="en-US" altLang="ko-KR" spc="-80" smtClean="0">
+            <a:endParaRPr lang="en-US" altLang="ko-KR" spc="-80" dirty="0" smtClean="0">
               <a:solidFill>
                 <a:srgbClr val="021828"/>
               </a:solidFill>
@@ -6840,19 +6929,31 @@
               <a:buChar char="•"/>
             </a:pPr>
             <a:r>
-              <a:rPr lang="ko-KR" altLang="en-US" spc="-80" smtClean="0">
-                <a:solidFill>
-                  <a:srgbClr val="021828"/>
-                </a:solidFill>
-                <a:latin typeface="나눔고딕" panose="020D0604000000000000" pitchFamily="50" charset="-127"/>
-                <a:ea typeface="나눔고딕" panose="020D0604000000000000" pitchFamily="50" charset="-127"/>
-                <a:cs typeface="윤고딕"/>
-                <a:sym typeface="윤고딕"/>
-              </a:rPr>
-              <a:t>에포크는 최대 </a:t>
-            </a:r>
-            <a:r>
-              <a:rPr lang="en-US" altLang="ko-KR" spc="-80" smtClean="0">
+              <a:rPr lang="ko-KR" altLang="en-US" spc="-80" dirty="0" err="1" smtClean="0">
+                <a:solidFill>
+                  <a:srgbClr val="021828"/>
+                </a:solidFill>
+                <a:latin typeface="나눔고딕" panose="020D0604000000000000" pitchFamily="50" charset="-127"/>
+                <a:ea typeface="나눔고딕" panose="020D0604000000000000" pitchFamily="50" charset="-127"/>
+                <a:cs typeface="윤고딕"/>
+                <a:sym typeface="윤고딕"/>
+              </a:rPr>
+              <a:t>에포크는</a:t>
+            </a:r>
+            <a:r>
+              <a:rPr lang="ko-KR" altLang="en-US" spc="-80" dirty="0" smtClean="0">
+                <a:solidFill>
+                  <a:srgbClr val="021828"/>
+                </a:solidFill>
+                <a:latin typeface="나눔고딕" panose="020D0604000000000000" pitchFamily="50" charset="-127"/>
+                <a:ea typeface="나눔고딕" panose="020D0604000000000000" pitchFamily="50" charset="-127"/>
+                <a:cs typeface="윤고딕"/>
+                <a:sym typeface="윤고딕"/>
+              </a:rPr>
+              <a:t> 최대 </a:t>
+            </a:r>
+            <a:r>
+              <a:rPr lang="en-US" altLang="ko-KR" spc="-80" dirty="0" smtClean="0">
                 <a:solidFill>
                   <a:srgbClr val="C00000"/>
                 </a:solidFill>
@@ -6864,7 +6965,7 @@
               <a:t>100</a:t>
             </a:r>
             <a:r>
-              <a:rPr lang="ko-KR" altLang="en-US" spc="-80" smtClean="0">
+              <a:rPr lang="ko-KR" altLang="en-US" spc="-80" dirty="0" smtClean="0">
                 <a:solidFill>
                   <a:srgbClr val="C00000"/>
                 </a:solidFill>
@@ -6876,7 +6977,7 @@
               <a:t>으로 설정</a:t>
             </a:r>
             <a:r>
-              <a:rPr lang="ko-KR" altLang="en-US" spc="-80" smtClean="0">
+              <a:rPr lang="ko-KR" altLang="en-US" spc="-80" dirty="0" smtClean="0">
                 <a:solidFill>
                   <a:srgbClr val="021828"/>
                 </a:solidFill>
@@ -6888,31 +6989,55 @@
               <a:t>하였지만 </a:t>
             </a:r>
             <a:r>
-              <a:rPr lang="en-US" altLang="ko-KR" spc="-80" smtClean="0">
-                <a:solidFill>
-                  <a:srgbClr val="021828"/>
-                </a:solidFill>
-                <a:latin typeface="나눔고딕" panose="020D0604000000000000" pitchFamily="50" charset="-127"/>
-                <a:ea typeface="나눔고딕" panose="020D0604000000000000" pitchFamily="50" charset="-127"/>
-                <a:cs typeface="윤고딕"/>
-                <a:sym typeface="윤고딕"/>
-              </a:rPr>
-              <a:t>early stoppin</a:t>
-            </a:r>
-            <a:r>
-              <a:rPr lang="ko-KR" altLang="en-US" spc="-80" smtClean="0">
-                <a:solidFill>
-                  <a:srgbClr val="021828"/>
-                </a:solidFill>
-                <a:latin typeface="나눔고딕" panose="020D0604000000000000" pitchFamily="50" charset="-127"/>
-                <a:ea typeface="나눔고딕" panose="020D0604000000000000" pitchFamily="50" charset="-127"/>
-                <a:cs typeface="윤고딕"/>
-                <a:sym typeface="윤고딕"/>
-              </a:rPr>
-              <a:t>에 의해 </a:t>
-            </a:r>
-            <a:r>
-              <a:rPr lang="ko-KR" altLang="en-US" spc="-80" smtClean="0">
+              <a:rPr lang="en-US" altLang="ko-KR" spc="-80" dirty="0" smtClean="0">
+                <a:solidFill>
+                  <a:srgbClr val="021828"/>
+                </a:solidFill>
+                <a:latin typeface="나눔고딕" panose="020D0604000000000000" pitchFamily="50" charset="-127"/>
+                <a:ea typeface="나눔고딕" panose="020D0604000000000000" pitchFamily="50" charset="-127"/>
+                <a:cs typeface="윤고딕"/>
+                <a:sym typeface="윤고딕"/>
+              </a:rPr>
+              <a:t>early </a:t>
+            </a:r>
+            <a:r>
+              <a:rPr lang="en-US" altLang="ko-KR" spc="-80" dirty="0" smtClean="0">
+                <a:solidFill>
+                  <a:srgbClr val="021828"/>
+                </a:solidFill>
+                <a:latin typeface="나눔고딕" panose="020D0604000000000000" pitchFamily="50" charset="-127"/>
+                <a:ea typeface="나눔고딕" panose="020D0604000000000000" pitchFamily="50" charset="-127"/>
+                <a:cs typeface="윤고딕"/>
+                <a:sym typeface="윤고딕"/>
+              </a:rPr>
+              <a:t>stopping</a:t>
+            </a:r>
+            <a:r>
+              <a:rPr lang="ko-KR" altLang="en-US" spc="-80" dirty="0" smtClean="0">
+                <a:solidFill>
+                  <a:srgbClr val="021828"/>
+                </a:solidFill>
+                <a:latin typeface="나눔고딕" panose="020D0604000000000000" pitchFamily="50" charset="-127"/>
+                <a:ea typeface="나눔고딕" panose="020D0604000000000000" pitchFamily="50" charset="-127"/>
+                <a:cs typeface="윤고딕"/>
+                <a:sym typeface="윤고딕"/>
+              </a:rPr>
+              <a:t>에 </a:t>
+            </a:r>
+            <a:r>
+              <a:rPr lang="ko-KR" altLang="en-US" spc="-80" dirty="0" smtClean="0">
+                <a:solidFill>
+                  <a:srgbClr val="021828"/>
+                </a:solidFill>
+                <a:latin typeface="나눔고딕" panose="020D0604000000000000" pitchFamily="50" charset="-127"/>
+                <a:ea typeface="나눔고딕" panose="020D0604000000000000" pitchFamily="50" charset="-127"/>
+                <a:cs typeface="윤고딕"/>
+                <a:sym typeface="윤고딕"/>
+              </a:rPr>
+              <a:t>의해 </a:t>
+            </a:r>
+            <a:r>
+              <a:rPr lang="ko-KR" altLang="en-US" spc="-80" dirty="0" smtClean="0">
                 <a:solidFill>
                   <a:srgbClr val="C00000"/>
                 </a:solidFill>
@@ -6924,7 +7049,7 @@
               <a:t>실제로는 </a:t>
             </a:r>
             <a:r>
-              <a:rPr lang="en-US" altLang="ko-KR" spc="-80" smtClean="0">
+              <a:rPr lang="en-US" altLang="ko-KR" spc="-80" dirty="0" smtClean="0">
                 <a:solidFill>
                   <a:srgbClr val="C00000"/>
                 </a:solidFill>
@@ -6936,7 +7061,7 @@
               <a:t>50~70</a:t>
             </a:r>
             <a:r>
-              <a:rPr lang="ko-KR" altLang="en-US" spc="-80" smtClean="0">
+              <a:rPr lang="ko-KR" altLang="en-US" spc="-80" dirty="0" smtClean="0">
                 <a:solidFill>
                   <a:srgbClr val="C00000"/>
                 </a:solidFill>
@@ -6945,10 +7070,34 @@
                 <a:cs typeface="윤고딕"/>
                 <a:sym typeface="윤고딕"/>
               </a:rPr>
-              <a:t>번째 에포크에서 종료됨</a:t>
-            </a:r>
-            <a:r>
-              <a:rPr lang="en-US" altLang="ko-KR" spc="-80" smtClean="0">
+              <a:t>번째 </a:t>
+            </a:r>
+            <a:r>
+              <a:rPr lang="ko-KR" altLang="en-US" spc="-80" dirty="0" err="1" smtClean="0">
+                <a:solidFill>
+                  <a:srgbClr val="C00000"/>
+                </a:solidFill>
+                <a:latin typeface="나눔고딕" panose="020D0604000000000000" pitchFamily="50" charset="-127"/>
+                <a:ea typeface="나눔고딕" panose="020D0604000000000000" pitchFamily="50" charset="-127"/>
+                <a:cs typeface="윤고딕"/>
+                <a:sym typeface="윤고딕"/>
+              </a:rPr>
+              <a:t>에포크에서</a:t>
+            </a:r>
+            <a:r>
+              <a:rPr lang="ko-KR" altLang="en-US" spc="-80" dirty="0" smtClean="0">
+                <a:solidFill>
+                  <a:srgbClr val="C00000"/>
+                </a:solidFill>
+                <a:latin typeface="나눔고딕" panose="020D0604000000000000" pitchFamily="50" charset="-127"/>
+                <a:ea typeface="나눔고딕" panose="020D0604000000000000" pitchFamily="50" charset="-127"/>
+                <a:cs typeface="윤고딕"/>
+                <a:sym typeface="윤고딕"/>
+              </a:rPr>
+              <a:t> 종료됨</a:t>
+            </a:r>
+            <a:r>
+              <a:rPr lang="en-US" altLang="ko-KR" spc="-80" dirty="0" smtClean="0">
                 <a:solidFill>
                   <a:srgbClr val="021828"/>
                 </a:solidFill>
@@ -6959,7 +7108,7 @@
               </a:rPr>
               <a:t> </a:t>
             </a:r>
-            <a:endParaRPr lang="en-US" altLang="ko-KR" spc="-80">
+            <a:endParaRPr lang="en-US" altLang="ko-KR" spc="-80" dirty="0">
               <a:solidFill>
                 <a:srgbClr val="021828"/>
               </a:solidFill>
@@ -7226,7 +7375,7 @@
         <p:spPr>
           <a:xfrm>
             <a:off x="3050908" y="4787287"/>
-            <a:ext cx="2127185" cy="338554"/>
+            <a:ext cx="2277550" cy="338554"/>
           </a:xfrm>
           <a:prstGeom prst="rect">
             <a:avLst/>
@@ -7236,13 +7385,13 @@
           </a:solidFill>
         </p:spPr>
         <p:txBody>
-          <a:bodyPr wrap="none">
+          <a:bodyPr wrap="square">
             <a:spAutoFit/>
           </a:bodyPr>
           <a:lstStyle/>
           <a:p>
             <a:r>
-              <a:rPr lang="ko-KR" altLang="en-US" sz="1600" spc="-80" smtClean="0">
+              <a:rPr lang="ko-KR" altLang="en-US" sz="1600" spc="-80" dirty="0" smtClean="0">
                 <a:solidFill>
                   <a:srgbClr val="021828"/>
                 </a:solidFill>
@@ -7254,7 +7403,7 @@
               <a:t>▲ </a:t>
             </a:r>
             <a:r>
-              <a:rPr lang="en-US" altLang="ko-KR" sz="1600" spc="-80" smtClean="0">
+              <a:rPr lang="en-US" altLang="ko-KR" sz="1600" spc="-80" dirty="0" err="1" smtClean="0">
                 <a:solidFill>
                   <a:srgbClr val="021828"/>
                 </a:solidFill>
@@ -7265,7 +7414,7 @@
               </a:rPr>
               <a:t>classification_report</a:t>
             </a:r>
-            <a:endParaRPr lang="ko-KR" altLang="en-US" sz="1600">
+            <a:endParaRPr lang="ko-KR" altLang="en-US" sz="1600" dirty="0">
               <a:latin typeface="나눔고딕" panose="020D0604000000000000" pitchFamily="50" charset="-127"/>
               <a:ea typeface="나눔고딕" panose="020D0604000000000000" pitchFamily="50" charset="-127"/>
             </a:endParaRPr>
@@ -7280,8 +7429,8 @@
         </p:nvSpPr>
         <p:spPr>
           <a:xfrm>
-            <a:off x="7153950" y="4737799"/>
-            <a:ext cx="1881925" cy="338554"/>
+            <a:off x="7153949" y="4737799"/>
+            <a:ext cx="2172931" cy="338554"/>
           </a:xfrm>
           <a:prstGeom prst="rect">
             <a:avLst/>
@@ -7291,13 +7440,13 @@
           </a:solidFill>
         </p:spPr>
         <p:txBody>
-          <a:bodyPr wrap="none">
+          <a:bodyPr wrap="square">
             <a:spAutoFit/>
           </a:bodyPr>
           <a:lstStyle/>
           <a:p>
             <a:r>
-              <a:rPr lang="ko-KR" altLang="en-US" sz="1600" spc="-80" smtClean="0">
+              <a:rPr lang="ko-KR" altLang="en-US" sz="1600" spc="-80" dirty="0" smtClean="0">
                 <a:solidFill>
                   <a:srgbClr val="021828"/>
                 </a:solidFill>
@@ -7309,7 +7458,19 @@
               <a:t>▲ </a:t>
             </a:r>
             <a:r>
-              <a:rPr lang="en-US" altLang="ko-KR" sz="1600" spc="-80" smtClean="0">
+              <a:rPr lang="ko-KR" altLang="en-US" sz="1600" spc="-80" dirty="0" smtClean="0">
+                <a:solidFill>
+                  <a:srgbClr val="021828"/>
+                </a:solidFill>
+                <a:latin typeface="나눔고딕" panose="020D0604000000000000" pitchFamily="50" charset="-127"/>
+                <a:ea typeface="나눔고딕" panose="020D0604000000000000" pitchFamily="50" charset="-127"/>
+                <a:cs typeface="윤고딕"/>
+                <a:sym typeface="윤고딕"/>
+              </a:rPr>
+              <a:t> </a:t>
+            </a:r>
+            <a:r>
+              <a:rPr lang="en-US" altLang="ko-KR" sz="1600" spc="-80" dirty="0" err="1" smtClean="0">
                 <a:solidFill>
                   <a:srgbClr val="021828"/>
                 </a:solidFill>
@@ -7320,7 +7481,7 @@
               </a:rPr>
               <a:t>confusion_matrix</a:t>
             </a:r>
-            <a:endParaRPr lang="ko-KR" altLang="en-US" sz="1600">
+            <a:endParaRPr lang="ko-KR" altLang="en-US" sz="1600" dirty="0">
               <a:latin typeface="나눔고딕" panose="020D0604000000000000" pitchFamily="50" charset="-127"/>
               <a:ea typeface="나눔고딕" panose="020D0604000000000000" pitchFamily="50" charset="-127"/>
             </a:endParaRPr>
@@ -7454,7 +7615,7 @@
         </p:blipFill>
         <p:spPr bwMode="auto">
           <a:xfrm>
-            <a:off x="7084043" y="3028630"/>
+            <a:off x="7229543" y="3034692"/>
             <a:ext cx="2021741" cy="1415221"/>
           </a:xfrm>
           <a:prstGeom prst="rect">
